--- a/포트리스 디펜더.pptx
+++ b/포트리스 디펜더.pptx
@@ -252,7 +252,7 @@
           <a:p>
             <a:fld id="{5D4B2FFF-CBA9-436D-810D-B21D1A378D2A}" type="datetimeFigureOut">
               <a:rPr lang="ko-KR" altLang="en-US" smtClean="0"/>
-              <a:t>2023-05-17</a:t>
+              <a:t>2023-06-08</a:t>
             </a:fld>
             <a:endParaRPr lang="ko-KR" altLang="en-US"/>
           </a:p>
@@ -422,7 +422,7 @@
           <a:p>
             <a:fld id="{5D4B2FFF-CBA9-436D-810D-B21D1A378D2A}" type="datetimeFigureOut">
               <a:rPr lang="ko-KR" altLang="en-US" smtClean="0"/>
-              <a:t>2023-05-17</a:t>
+              <a:t>2023-06-08</a:t>
             </a:fld>
             <a:endParaRPr lang="ko-KR" altLang="en-US"/>
           </a:p>
@@ -602,7 +602,7 @@
           <a:p>
             <a:fld id="{5D4B2FFF-CBA9-436D-810D-B21D1A378D2A}" type="datetimeFigureOut">
               <a:rPr lang="ko-KR" altLang="en-US" smtClean="0"/>
-              <a:t>2023-05-17</a:t>
+              <a:t>2023-06-08</a:t>
             </a:fld>
             <a:endParaRPr lang="ko-KR" altLang="en-US"/>
           </a:p>
@@ -772,7 +772,7 @@
           <a:p>
             <a:fld id="{5D4B2FFF-CBA9-436D-810D-B21D1A378D2A}" type="datetimeFigureOut">
               <a:rPr lang="ko-KR" altLang="en-US" smtClean="0"/>
-              <a:t>2023-05-17</a:t>
+              <a:t>2023-06-08</a:t>
             </a:fld>
             <a:endParaRPr lang="ko-KR" altLang="en-US"/>
           </a:p>
@@ -1018,7 +1018,7 @@
           <a:p>
             <a:fld id="{5D4B2FFF-CBA9-436D-810D-B21D1A378D2A}" type="datetimeFigureOut">
               <a:rPr lang="ko-KR" altLang="en-US" smtClean="0"/>
-              <a:t>2023-05-17</a:t>
+              <a:t>2023-06-08</a:t>
             </a:fld>
             <a:endParaRPr lang="ko-KR" altLang="en-US"/>
           </a:p>
@@ -1250,7 +1250,7 @@
           <a:p>
             <a:fld id="{5D4B2FFF-CBA9-436D-810D-B21D1A378D2A}" type="datetimeFigureOut">
               <a:rPr lang="ko-KR" altLang="en-US" smtClean="0"/>
-              <a:t>2023-05-17</a:t>
+              <a:t>2023-06-08</a:t>
             </a:fld>
             <a:endParaRPr lang="ko-KR" altLang="en-US"/>
           </a:p>
@@ -1617,7 +1617,7 @@
           <a:p>
             <a:fld id="{5D4B2FFF-CBA9-436D-810D-B21D1A378D2A}" type="datetimeFigureOut">
               <a:rPr lang="ko-KR" altLang="en-US" smtClean="0"/>
-              <a:t>2023-05-17</a:t>
+              <a:t>2023-06-08</a:t>
             </a:fld>
             <a:endParaRPr lang="ko-KR" altLang="en-US"/>
           </a:p>
@@ -1735,7 +1735,7 @@
           <a:p>
             <a:fld id="{5D4B2FFF-CBA9-436D-810D-B21D1A378D2A}" type="datetimeFigureOut">
               <a:rPr lang="ko-KR" altLang="en-US" smtClean="0"/>
-              <a:t>2023-05-17</a:t>
+              <a:t>2023-06-08</a:t>
             </a:fld>
             <a:endParaRPr lang="ko-KR" altLang="en-US"/>
           </a:p>
@@ -1830,7 +1830,7 @@
           <a:p>
             <a:fld id="{5D4B2FFF-CBA9-436D-810D-B21D1A378D2A}" type="datetimeFigureOut">
               <a:rPr lang="ko-KR" altLang="en-US" smtClean="0"/>
-              <a:t>2023-05-17</a:t>
+              <a:t>2023-06-08</a:t>
             </a:fld>
             <a:endParaRPr lang="ko-KR" altLang="en-US"/>
           </a:p>
@@ -2107,7 +2107,7 @@
           <a:p>
             <a:fld id="{5D4B2FFF-CBA9-436D-810D-B21D1A378D2A}" type="datetimeFigureOut">
               <a:rPr lang="ko-KR" altLang="en-US" smtClean="0"/>
-              <a:t>2023-05-17</a:t>
+              <a:t>2023-06-08</a:t>
             </a:fld>
             <a:endParaRPr lang="ko-KR" altLang="en-US"/>
           </a:p>
@@ -2364,7 +2364,7 @@
           <a:p>
             <a:fld id="{5D4B2FFF-CBA9-436D-810D-B21D1A378D2A}" type="datetimeFigureOut">
               <a:rPr lang="ko-KR" altLang="en-US" smtClean="0"/>
-              <a:t>2023-05-17</a:t>
+              <a:t>2023-06-08</a:t>
             </a:fld>
             <a:endParaRPr lang="ko-KR" altLang="en-US"/>
           </a:p>
@@ -2577,7 +2577,7 @@
           <a:p>
             <a:fld id="{5D4B2FFF-CBA9-436D-810D-B21D1A378D2A}" type="datetimeFigureOut">
               <a:rPr lang="ko-KR" altLang="en-US" smtClean="0"/>
-              <a:t>2023-05-17</a:t>
+              <a:t>2023-06-08</a:t>
             </a:fld>
             <a:endParaRPr lang="ko-KR" altLang="en-US"/>
           </a:p>
